--- a/01. Java SE/Slides/02. OOP.pptx
+++ b/01. Java SE/Slides/02. OOP.pptx
@@ -225,7 +225,7 @@
           <a:p>
             <a:fld id="{59041DB8-B66F-4DC8-A96E-33677E0F90FF}" type="datetimeFigureOut">
               <a:rPr lang="en-US" smtClean="0"/>
-              <a:t>3/7/2015</a:t>
+              <a:t>3/8/2015</a:t>
             </a:fld>
             <a:endParaRPr lang="en-US"/>
           </a:p>
@@ -390,7 +390,7 @@
           <a:p>
             <a:fld id="{DEB49C4A-65AC-492D-9701-81B46C3AD0E4}" type="datetimeFigureOut">
               <a:rPr lang="en-US" smtClean="0"/>
-              <a:t>3/7/2015</a:t>
+              <a:t>3/8/2015</a:t>
             </a:fld>
             <a:endParaRPr lang="en-US"/>
           </a:p>
@@ -5099,7 +5099,7 @@
           <a:p>
             <a:fld id="{384A29A4-78C8-47AB-BA06-22CB45938951}" type="datetime1">
               <a:rPr lang="en-US" smtClean="0"/>
-              <a:t>3/7/2015</a:t>
+              <a:t>3/8/2015</a:t>
             </a:fld>
             <a:endParaRPr lang="en-US"/>
           </a:p>
@@ -5294,7 +5294,7 @@
           <a:p>
             <a:fld id="{E1ED4ACF-2D82-46F2-A8E9-23963AA34E86}" type="datetime1">
               <a:rPr lang="en-US" smtClean="0"/>
-              <a:t>3/7/2015</a:t>
+              <a:t>3/8/2015</a:t>
             </a:fld>
             <a:endParaRPr lang="en-US"/>
           </a:p>
@@ -5487,7 +5487,7 @@
           <a:p>
             <a:fld id="{AE374B5B-21A0-4192-BF4C-38187F1A68D8}" type="datetime1">
               <a:rPr lang="en-US" smtClean="0"/>
-              <a:t>3/7/2015</a:t>
+              <a:t>3/8/2015</a:t>
             </a:fld>
             <a:endParaRPr lang="en-US"/>
           </a:p>
@@ -5678,7 +5678,7 @@
           <a:p>
             <a:fld id="{AE374B5B-21A0-4192-BF4C-38187F1A68D8}" type="datetime1">
               <a:rPr lang="en-US" smtClean="0"/>
-              <a:t>3/7/2015</a:t>
+              <a:t>3/8/2015</a:t>
             </a:fld>
             <a:endParaRPr lang="en-US"/>
           </a:p>
@@ -7976,7 +7976,7 @@
           <a:p>
             <a:fld id="{33B5CF7C-B333-48E1-A4A6-83A3C8B73AC0}" type="datetime1">
               <a:rPr lang="en-US" smtClean="0"/>
-              <a:t>3/7/2015</a:t>
+              <a:t>3/8/2015</a:t>
             </a:fld>
             <a:endParaRPr lang="en-US"/>
           </a:p>
@@ -8431,7 +8431,7 @@
           <a:p>
             <a:fld id="{AE320762-5CBF-4210-AB54-376B091119F8}" type="datetime1">
               <a:rPr lang="en-US" smtClean="0"/>
-              <a:t>3/7/2015</a:t>
+              <a:t>3/8/2015</a:t>
             </a:fld>
             <a:endParaRPr lang="en-US"/>
           </a:p>
@@ -8564,7 +8564,7 @@
           <a:p>
             <a:fld id="{7F0DB371-BF5F-4058-A212-1A908E4D2674}" type="datetime1">
               <a:rPr lang="en-US" smtClean="0"/>
-              <a:t>3/7/2015</a:t>
+              <a:t>3/8/2015</a:t>
             </a:fld>
             <a:endParaRPr lang="en-US"/>
           </a:p>
@@ -10497,7 +10497,7 @@
           <a:p>
             <a:fld id="{60A4083B-90AA-48CF-BAD5-00AA24D7F288}" type="datetime1">
               <a:rPr lang="en-US" smtClean="0"/>
-              <a:t>3/7/2015</a:t>
+              <a:t>3/8/2015</a:t>
             </a:fld>
             <a:endParaRPr lang="en-US"/>
           </a:p>
@@ -14752,7 +14752,7 @@
           <a:p>
             <a:fld id="{B51B2453-8663-4C69-AF73-9FD7B1DEC5D0}" type="datetime1">
               <a:rPr lang="en-US" smtClean="0"/>
-              <a:t>3/7/2015</a:t>
+              <a:t>3/8/2015</a:t>
             </a:fld>
             <a:endParaRPr lang="en-US"/>
           </a:p>
@@ -15549,34 +15549,15 @@
           <a:p>
             <a:r>
               <a:rPr lang="en-US" dirty="0" smtClean="0"/>
-              <a:t>Exercise: </a:t>
-            </a:r>
-            <a:r>
-              <a:rPr lang="en-US" smtClean="0"/>
-              <a:t>Volcano </a:t>
+              <a:t>Exercise: Volcano </a:t>
             </a:r>
             <a:r>
               <a:rPr lang="en-US" smtClean="0"/>
               <a:t>Robot </a:t>
             </a:r>
             <a:r>
-              <a:rPr lang="en-US" dirty="0" smtClean="0"/>
+              <a:rPr lang="en-US" smtClean="0"/>
               <a:t>Virgil</a:t>
-            </a:r>
-            <a:br>
-              <a:rPr lang="en-US" dirty="0" smtClean="0"/>
-            </a:br>
-            <a:r>
-              <a:rPr lang="en-US" sz="1800" dirty="0" err="1" smtClean="0"/>
-              <a:t>svs</a:t>
-            </a:r>
-            <a:r>
-              <a:rPr lang="en-US" sz="1800" dirty="0" smtClean="0"/>
-              <a:t>-volcano-robot-</a:t>
-            </a:r>
-            <a:r>
-              <a:rPr lang="en-US" sz="1800" dirty="0" err="1" smtClean="0"/>
-              <a:t>virgil</a:t>
             </a:r>
             <a:endParaRPr lang="en-US" sz="1800" dirty="0"/>
           </a:p>
@@ -16464,18 +16445,11 @@
           <a:p>
             <a:r>
               <a:rPr lang="en-US" dirty="0" smtClean="0"/>
-              <a:t>Example: Volcano Robot</a:t>
-            </a:r>
-            <a:br>
+              <a:t>Example: Volcano </a:t>
+            </a:r>
+            <a:r>
               <a:rPr lang="en-US" dirty="0" smtClean="0"/>
-            </a:br>
-            <a:r>
-              <a:rPr lang="en-US" sz="1800" dirty="0" err="1" smtClean="0"/>
-              <a:t>svs</a:t>
-            </a:r>
-            <a:r>
-              <a:rPr lang="en-US" sz="1800" dirty="0" smtClean="0"/>
-              <a:t>-volcano-robot</a:t>
+              <a:t>Robot</a:t>
             </a:r>
             <a:endParaRPr lang="en-US" sz="1800" dirty="0"/>
           </a:p>

--- a/01. Java SE/Slides/02. OOP.pptx
+++ b/01. Java SE/Slides/02. OOP.pptx
@@ -225,7 +225,7 @@
           <a:p>
             <a:fld id="{59041DB8-B66F-4DC8-A96E-33677E0F90FF}" type="datetimeFigureOut">
               <a:rPr lang="en-US" smtClean="0"/>
-              <a:t>3/8/2015</a:t>
+              <a:t>3/9/2015</a:t>
             </a:fld>
             <a:endParaRPr lang="en-US"/>
           </a:p>
@@ -390,7 +390,7 @@
           <a:p>
             <a:fld id="{DEB49C4A-65AC-492D-9701-81B46C3AD0E4}" type="datetimeFigureOut">
               <a:rPr lang="en-US" smtClean="0"/>
-              <a:t>3/8/2015</a:t>
+              <a:t>3/9/2015</a:t>
             </a:fld>
             <a:endParaRPr lang="en-US"/>
           </a:p>
@@ -5099,7 +5099,7 @@
           <a:p>
             <a:fld id="{384A29A4-78C8-47AB-BA06-22CB45938951}" type="datetime1">
               <a:rPr lang="en-US" smtClean="0"/>
-              <a:t>3/8/2015</a:t>
+              <a:t>3/9/2015</a:t>
             </a:fld>
             <a:endParaRPr lang="en-US"/>
           </a:p>
@@ -5294,7 +5294,7 @@
           <a:p>
             <a:fld id="{E1ED4ACF-2D82-46F2-A8E9-23963AA34E86}" type="datetime1">
               <a:rPr lang="en-US" smtClean="0"/>
-              <a:t>3/8/2015</a:t>
+              <a:t>3/9/2015</a:t>
             </a:fld>
             <a:endParaRPr lang="en-US"/>
           </a:p>
@@ -5487,7 +5487,7 @@
           <a:p>
             <a:fld id="{AE374B5B-21A0-4192-BF4C-38187F1A68D8}" type="datetime1">
               <a:rPr lang="en-US" smtClean="0"/>
-              <a:t>3/8/2015</a:t>
+              <a:t>3/9/2015</a:t>
             </a:fld>
             <a:endParaRPr lang="en-US"/>
           </a:p>
@@ -5678,7 +5678,7 @@
           <a:p>
             <a:fld id="{AE374B5B-21A0-4192-BF4C-38187F1A68D8}" type="datetime1">
               <a:rPr lang="en-US" smtClean="0"/>
-              <a:t>3/8/2015</a:t>
+              <a:t>3/9/2015</a:t>
             </a:fld>
             <a:endParaRPr lang="en-US"/>
           </a:p>
@@ -7976,7 +7976,7 @@
           <a:p>
             <a:fld id="{33B5CF7C-B333-48E1-A4A6-83A3C8B73AC0}" type="datetime1">
               <a:rPr lang="en-US" smtClean="0"/>
-              <a:t>3/8/2015</a:t>
+              <a:t>3/9/2015</a:t>
             </a:fld>
             <a:endParaRPr lang="en-US"/>
           </a:p>
@@ -8431,7 +8431,7 @@
           <a:p>
             <a:fld id="{AE320762-5CBF-4210-AB54-376B091119F8}" type="datetime1">
               <a:rPr lang="en-US" smtClean="0"/>
-              <a:t>3/8/2015</a:t>
+              <a:t>3/9/2015</a:t>
             </a:fld>
             <a:endParaRPr lang="en-US"/>
           </a:p>
@@ -8564,7 +8564,7 @@
           <a:p>
             <a:fld id="{7F0DB371-BF5F-4058-A212-1A908E4D2674}" type="datetime1">
               <a:rPr lang="en-US" smtClean="0"/>
-              <a:t>3/8/2015</a:t>
+              <a:t>3/9/2015</a:t>
             </a:fld>
             <a:endParaRPr lang="en-US"/>
           </a:p>
@@ -10497,7 +10497,7 @@
           <a:p>
             <a:fld id="{60A4083B-90AA-48CF-BAD5-00AA24D7F288}" type="datetime1">
               <a:rPr lang="en-US" smtClean="0"/>
-              <a:t>3/8/2015</a:t>
+              <a:t>3/9/2015</a:t>
             </a:fld>
             <a:endParaRPr lang="en-US"/>
           </a:p>
@@ -14752,7 +14752,7 @@
           <a:p>
             <a:fld id="{B51B2453-8663-4C69-AF73-9FD7B1DEC5D0}" type="datetime1">
               <a:rPr lang="en-US" smtClean="0"/>
-              <a:t>3/8/2015</a:t>
+              <a:t>3/9/2015</a:t>
             </a:fld>
             <a:endParaRPr lang="en-US"/>
           </a:p>
@@ -15553,11 +15553,7 @@
             </a:r>
             <a:r>
               <a:rPr lang="en-US" smtClean="0"/>
-              <a:t>Robot </a:t>
-            </a:r>
-            <a:r>
-              <a:rPr lang="en-US" smtClean="0"/>
-              <a:t>Virgil</a:t>
+              <a:t>Robot Virgil</a:t>
             </a:r>
             <a:endParaRPr lang="en-US" sz="1800" dirty="0"/>
           </a:p>
@@ -15594,12 +15590,16 @@
               <a:t> method of the </a:t>
             </a:r>
             <a:r>
-              <a:rPr lang="en-US" i="1" dirty="0" err="1"/>
-              <a:t>VolcanoRobot</a:t>
+              <a:rPr lang="en-US" i="1" smtClean="0"/>
+              <a:t>VolcanoApplication</a:t>
+            </a:r>
+            <a:r>
+              <a:rPr lang="en-US" smtClean="0"/>
+              <a:t> </a:t>
             </a:r>
             <a:r>
               <a:rPr lang="en-US" dirty="0"/>
-              <a:t> class, create a second </a:t>
+              <a:t>class, create a second </a:t>
             </a:r>
             <a:r>
               <a:rPr lang="en-US" i="1" dirty="0" err="1"/>
@@ -16445,11 +16445,7 @@
           <a:p>
             <a:r>
               <a:rPr lang="en-US" dirty="0" smtClean="0"/>
-              <a:t>Example: Volcano </a:t>
-            </a:r>
-            <a:r>
-              <a:rPr lang="en-US" dirty="0" smtClean="0"/>
-              <a:t>Robot</a:t>
+              <a:t>Example: Volcano Robot</a:t>
             </a:r>
             <a:endParaRPr lang="en-US" sz="1800" dirty="0"/>
           </a:p>

--- a/01. Java SE/Slides/02. OOP.pptx
+++ b/01. Java SE/Slides/02. OOP.pptx
@@ -225,7 +225,7 @@
           <a:p>
             <a:fld id="{59041DB8-B66F-4DC8-A96E-33677E0F90FF}" type="datetimeFigureOut">
               <a:rPr lang="en-US" smtClean="0"/>
-              <a:t>3/9/2015</a:t>
+              <a:t>3/10/2015</a:t>
             </a:fld>
             <a:endParaRPr lang="en-US"/>
           </a:p>
@@ -390,7 +390,7 @@
           <a:p>
             <a:fld id="{DEB49C4A-65AC-492D-9701-81B46C3AD0E4}" type="datetimeFigureOut">
               <a:rPr lang="en-US" smtClean="0"/>
-              <a:t>3/9/2015</a:t>
+              <a:t>3/10/2015</a:t>
             </a:fld>
             <a:endParaRPr lang="en-US"/>
           </a:p>
@@ -5099,7 +5099,7 @@
           <a:p>
             <a:fld id="{384A29A4-78C8-47AB-BA06-22CB45938951}" type="datetime1">
               <a:rPr lang="en-US" smtClean="0"/>
-              <a:t>3/9/2015</a:t>
+              <a:t>3/10/2015</a:t>
             </a:fld>
             <a:endParaRPr lang="en-US"/>
           </a:p>
@@ -5294,7 +5294,7 @@
           <a:p>
             <a:fld id="{E1ED4ACF-2D82-46F2-A8E9-23963AA34E86}" type="datetime1">
               <a:rPr lang="en-US" smtClean="0"/>
-              <a:t>3/9/2015</a:t>
+              <a:t>3/10/2015</a:t>
             </a:fld>
             <a:endParaRPr lang="en-US"/>
           </a:p>
@@ -5487,7 +5487,7 @@
           <a:p>
             <a:fld id="{AE374B5B-21A0-4192-BF4C-38187F1A68D8}" type="datetime1">
               <a:rPr lang="en-US" smtClean="0"/>
-              <a:t>3/9/2015</a:t>
+              <a:t>3/10/2015</a:t>
             </a:fld>
             <a:endParaRPr lang="en-US"/>
           </a:p>
@@ -5678,7 +5678,7 @@
           <a:p>
             <a:fld id="{AE374B5B-21A0-4192-BF4C-38187F1A68D8}" type="datetime1">
               <a:rPr lang="en-US" smtClean="0"/>
-              <a:t>3/9/2015</a:t>
+              <a:t>3/10/2015</a:t>
             </a:fld>
             <a:endParaRPr lang="en-US"/>
           </a:p>
@@ -7976,7 +7976,7 @@
           <a:p>
             <a:fld id="{33B5CF7C-B333-48E1-A4A6-83A3C8B73AC0}" type="datetime1">
               <a:rPr lang="en-US" smtClean="0"/>
-              <a:t>3/9/2015</a:t>
+              <a:t>3/10/2015</a:t>
             </a:fld>
             <a:endParaRPr lang="en-US"/>
           </a:p>
@@ -8431,7 +8431,7 @@
           <a:p>
             <a:fld id="{AE320762-5CBF-4210-AB54-376B091119F8}" type="datetime1">
               <a:rPr lang="en-US" smtClean="0"/>
-              <a:t>3/9/2015</a:t>
+              <a:t>3/10/2015</a:t>
             </a:fld>
             <a:endParaRPr lang="en-US"/>
           </a:p>
@@ -8564,7 +8564,7 @@
           <a:p>
             <a:fld id="{7F0DB371-BF5F-4058-A212-1A908E4D2674}" type="datetime1">
               <a:rPr lang="en-US" smtClean="0"/>
-              <a:t>3/9/2015</a:t>
+              <a:t>3/10/2015</a:t>
             </a:fld>
             <a:endParaRPr lang="en-US"/>
           </a:p>
@@ -10497,7 +10497,7 @@
           <a:p>
             <a:fld id="{60A4083B-90AA-48CF-BAD5-00AA24D7F288}" type="datetime1">
               <a:rPr lang="en-US" smtClean="0"/>
-              <a:t>3/9/2015</a:t>
+              <a:t>3/10/2015</a:t>
             </a:fld>
             <a:endParaRPr lang="en-US"/>
           </a:p>
@@ -14752,7 +14752,7 @@
           <a:p>
             <a:fld id="{B51B2453-8663-4C69-AF73-9FD7B1DEC5D0}" type="datetime1">
               <a:rPr lang="en-US" smtClean="0"/>
-              <a:t>3/9/2015</a:t>
+              <a:t>3/10/2015</a:t>
             </a:fld>
             <a:endParaRPr lang="en-US"/>
           </a:p>
@@ -15549,11 +15549,11 @@
           <a:p>
             <a:r>
               <a:rPr lang="en-US" dirty="0" smtClean="0"/>
-              <a:t>Exercise: Volcano </a:t>
-            </a:r>
-            <a:r>
-              <a:rPr lang="en-US" smtClean="0"/>
-              <a:t>Robot Virgil</a:t>
+              <a:t>Exercise: </a:t>
+            </a:r>
+            <a:r>
+              <a:rPr lang="en-US" dirty="0" err="1" smtClean="0"/>
+              <a:t>VolcanoRobotVirgil</a:t>
             </a:r>
             <a:endParaRPr lang="en-US" sz="1800" dirty="0"/>
           </a:p>
@@ -16445,7 +16445,11 @@
           <a:p>
             <a:r>
               <a:rPr lang="en-US" dirty="0" smtClean="0"/>
-              <a:t>Example: Volcano Robot</a:t>
+              <a:t>Example: </a:t>
+            </a:r>
+            <a:r>
+              <a:rPr lang="en-US" dirty="0" err="1" smtClean="0"/>
+              <a:t>VolcanoRobot</a:t>
             </a:r>
             <a:endParaRPr lang="en-US" sz="1800" dirty="0"/>
           </a:p>
